--- a/_site/content/Week06/lecture.pptx
+++ b/_site/content/Week06/lecture.pptx
@@ -47,6 +47,7 @@
     <p:sldId id="295" r:id="rId41"/>
     <p:sldId id="296" r:id="rId42"/>
     <p:sldId id="297" r:id="rId43"/>
+    <p:sldId id="298" r:id="rId44"/>
   </p:sldIdLst>
   <p:sldSz cx="12192000" cy="6858000"/>
   <p:notesSz cx="6858000" cy="9144000"/>
@@ -5417,6 +5418,10 @@
             <a:pPr lvl="0" indent="0" marL="1270000">
               <a:buNone/>
             </a:pPr>
+            <a:r>
+              <a:rPr sz="2000" b="1"/>
+              <a:t>Note</a:t>
+            </a:r>
           </a:p>
           <a:p>
             <a:pPr lvl="0"/>
@@ -7420,32 +7425,6 @@
               <a:t>An error in the build and you are in trouble ####</a:t>
             </a:r>
           </a:p>
-          <a:p>
-            <a:pPr lvl="0" indent="0" marL="0">
-              <a:spcBef>
-                <a:spcPts val="3000"/>
-              </a:spcBef>
-              <a:buNone/>
-            </a:pPr>
-            <a:r>
-              <a:rPr b="1"/>
-              <a:t>Response Authenticity</a:t>
-            </a:r>
-          </a:p>
-          <a:p>
-            <a:pPr lvl="0"/>
-            <a:r>
-              <a:rPr/>
-              <a:t>Higher risk of dishonest or inattentive responses (maybe?) #### Sampling Bias</a:t>
-            </a:r>
-          </a:p>
-          <a:p>
-            <a:pPr lvl="0"/>
-            <a:r>
-              <a:rPr/>
-              <a:t>Potential for non-representative samples</a:t>
-            </a:r>
-          </a:p>
         </p:txBody>
       </p:sp>
     </p:spTree>
@@ -7565,7 +7544,7 @@
             </a:pPr>
             <a:r>
               <a:rPr/>
-              <a:t>Introduction to experiments using Gorilla.sc</a:t>
+              <a:t>Cons of Qualtrics (continued)</a:t>
             </a:r>
           </a:p>
         </p:txBody>
@@ -7599,21 +7578,34 @@
             </a:pPr>
             <a:r>
               <a:rPr b="1"/>
-              <a:t>Gorilla.sc: highly controlled online Psychological Research</a:t>
+              <a:t>Response Authenticity</a:t>
             </a:r>
           </a:p>
           <a:p>
             <a:pPr lvl="0"/>
             <a:r>
               <a:rPr/>
-              <a:t>A comprehensive online tool for behavioral research</a:t>
+              <a:t>Higher risk of dishonest or inattentive responses (maybe?)</a:t>
+            </a:r>
+            <a:br/>
+          </a:p>
+          <a:p>
+            <a:pPr lvl="0" indent="0" marL="0">
+              <a:spcBef>
+                <a:spcPts val="3000"/>
+              </a:spcBef>
+              <a:buNone/>
+            </a:pPr>
+            <a:r>
+              <a:rPr b="1"/>
+              <a:t>Sampling Bias</a:t>
             </a:r>
           </a:p>
           <a:p>
             <a:pPr lvl="0"/>
             <a:r>
               <a:rPr/>
-              <a:t>Facilitates creation, deployment, and analysis of experiments</a:t>
+              <a:t>Potential for non-representative samples</a:t>
             </a:r>
           </a:p>
         </p:txBody>
@@ -7674,7 +7666,7 @@
             </a:pPr>
             <a:r>
               <a:rPr/>
-              <a:t>Core Features of Gorilla.sc</a:t>
+              <a:t>Introduction to experiments using Gorilla.sc</a:t>
             </a:r>
           </a:p>
         </p:txBody>
@@ -7708,73 +7700,21 @@
             </a:pPr>
             <a:r>
               <a:rPr b="1"/>
-              <a:t>User-Friendly Interface</a:t>
+              <a:t>Gorilla.sc: highly controlled online Psychological Research</a:t>
             </a:r>
           </a:p>
           <a:p>
             <a:pPr lvl="0"/>
             <a:r>
               <a:rPr/>
-              <a:t>Intuitive design for researchers of all levels</a:t>
+              <a:t>A comprehensive online tool for behavioral research</a:t>
             </a:r>
           </a:p>
           <a:p>
             <a:pPr lvl="0"/>
             <a:r>
               <a:rPr/>
-              <a:t>Drag-and-drop experiment builder</a:t>
-            </a:r>
-          </a:p>
-          <a:p>
-            <a:pPr lvl="0" indent="0" marL="0">
-              <a:spcBef>
-                <a:spcPts val="3000"/>
-              </a:spcBef>
-              <a:buNone/>
-            </a:pPr>
-            <a:r>
-              <a:rPr b="1"/>
-              <a:t>Requires ‘tokens’ to run</a:t>
-            </a:r>
-          </a:p>
-          <a:p>
-            <a:pPr lvl="0"/>
-            <a:r>
-              <a:rPr/>
-              <a:t>You will need to apply for ‘tokens’ to apply for ethics, and to run the study.</a:t>
-            </a:r>
-          </a:p>
-          <a:p>
-            <a:pPr lvl="0"/>
-            <a:r>
-              <a:rPr/>
-              <a:t>There is usually a limited supply as there is a cost associated with this.</a:t>
-            </a:r>
-          </a:p>
-          <a:p>
-            <a:pPr lvl="0" indent="0" marL="0">
-              <a:spcBef>
-                <a:spcPts val="3000"/>
-              </a:spcBef>
-              <a:buNone/>
-            </a:pPr>
-            <a:r>
-              <a:rPr b="1"/>
-              <a:t>Versatile Experiment Design</a:t>
-            </a:r>
-          </a:p>
-          <a:p>
-            <a:pPr lvl="0"/>
-            <a:r>
-              <a:rPr/>
-              <a:t>Supports a wide range of experimental paradigms</a:t>
-            </a:r>
-          </a:p>
-          <a:p>
-            <a:pPr lvl="0"/>
-            <a:r>
-              <a:rPr/>
-              <a:t>Customizable to suit various research needs</a:t>
+              <a:t>Facilitates creation, deployment, and analysis of experiments</a:t>
             </a:r>
           </a:p>
         </p:txBody>
@@ -7835,7 +7775,7 @@
             </a:pPr>
             <a:r>
               <a:rPr/>
-              <a:t>Experiment Creation with Gorilla.sc</a:t>
+              <a:t>Core Features of Gorilla.sc</a:t>
             </a:r>
           </a:p>
         </p:txBody>
@@ -7869,21 +7809,21 @@
             </a:pPr>
             <a:r>
               <a:rPr b="1"/>
-              <a:t>Building Blocks</a:t>
+              <a:t>User-Friendly Interface</a:t>
             </a:r>
           </a:p>
           <a:p>
             <a:pPr lvl="0"/>
             <a:r>
               <a:rPr/>
-              <a:t>Use ‘widgets’ and ‘tasks’ to construct experiments</a:t>
+              <a:t>Intuitive design for researchers of all levels</a:t>
             </a:r>
           </a:p>
           <a:p>
             <a:pPr lvl="0"/>
             <a:r>
               <a:rPr/>
-              <a:t>Easily integrate surveys, quizzes, and cognitive tasks</a:t>
+              <a:t>Drag-and-drop experiment builder</a:t>
             </a:r>
           </a:p>
           <a:p>
@@ -7895,21 +7835,47 @@
             </a:pPr>
             <a:r>
               <a:rPr b="1"/>
-              <a:t>Advanced Customization</a:t>
+              <a:t>Requires ‘tokens’ to run</a:t>
             </a:r>
           </a:p>
           <a:p>
             <a:pPr lvl="0"/>
             <a:r>
               <a:rPr/>
-              <a:t>Incorporate complex experimental logic</a:t>
+              <a:t>You will need to apply for ‘tokens’ to apply for ethics, and to run the study.</a:t>
             </a:r>
           </a:p>
           <a:p>
             <a:pPr lvl="0"/>
             <a:r>
               <a:rPr/>
-              <a:t>Customize with CSS and JavaScript for unique requirements</a:t>
+              <a:t>There is usually a limited supply as there is a cost associated with this.</a:t>
+            </a:r>
+          </a:p>
+          <a:p>
+            <a:pPr lvl="0" indent="0" marL="0">
+              <a:spcBef>
+                <a:spcPts val="3000"/>
+              </a:spcBef>
+              <a:buNone/>
+            </a:pPr>
+            <a:r>
+              <a:rPr b="1"/>
+              <a:t>Versatile Experiment Design</a:t>
+            </a:r>
+          </a:p>
+          <a:p>
+            <a:pPr lvl="0"/>
+            <a:r>
+              <a:rPr/>
+              <a:t>Supports a wide range of experimental paradigms</a:t>
+            </a:r>
+          </a:p>
+          <a:p>
+            <a:pPr lvl="0"/>
+            <a:r>
+              <a:rPr/>
+              <a:t>Customizable to suit various research needs</a:t>
             </a:r>
           </a:p>
         </p:txBody>
@@ -7970,7 +7936,7 @@
             </a:pPr>
             <a:r>
               <a:rPr/>
-              <a:t>Data Collection and Analysis</a:t>
+              <a:t>Experiment Creation with Gorilla.sc</a:t>
             </a:r>
           </a:p>
         </p:txBody>
@@ -8004,21 +7970,21 @@
             </a:pPr>
             <a:r>
               <a:rPr b="1"/>
-              <a:t>Real-Time Data Collection</a:t>
+              <a:t>Building Blocks</a:t>
             </a:r>
           </a:p>
           <a:p>
             <a:pPr lvl="0"/>
             <a:r>
               <a:rPr/>
-              <a:t>Gather data securely and efficiently</a:t>
+              <a:t>Use ‘widgets’ and ‘tasks’ to construct experiments</a:t>
             </a:r>
           </a:p>
           <a:p>
             <a:pPr lvl="0"/>
             <a:r>
               <a:rPr/>
-              <a:t>Access participant responses in real-time</a:t>
+              <a:t>Easily integrate surveys, quizzes, and cognitive tasks</a:t>
             </a:r>
           </a:p>
           <a:p>
@@ -8030,21 +7996,21 @@
             </a:pPr>
             <a:r>
               <a:rPr b="1"/>
-              <a:t>Analytical Tools</a:t>
+              <a:t>Advanced Customization</a:t>
             </a:r>
           </a:p>
           <a:p>
             <a:pPr lvl="0"/>
             <a:r>
               <a:rPr/>
-              <a:t>Built-in tools for basic data analysis</a:t>
+              <a:t>Incorporate complex experimental logic</a:t>
             </a:r>
           </a:p>
           <a:p>
             <a:pPr lvl="0"/>
             <a:r>
               <a:rPr/>
-              <a:t>Export data for advanced analysis in other software e.g. SPSS</a:t>
+              <a:t>Customize with CSS and JavaScript for unique requirements</a:t>
             </a:r>
           </a:p>
         </p:txBody>
@@ -8105,7 +8071,7 @@
             </a:pPr>
             <a:r>
               <a:rPr/>
-              <a:t>Collaboration and Sharing</a:t>
+              <a:t>Data Collection and Analysis</a:t>
             </a:r>
           </a:p>
         </p:txBody>
@@ -8139,21 +8105,21 @@
             </a:pPr>
             <a:r>
               <a:rPr b="1"/>
-              <a:t>Team Collaboration</a:t>
+              <a:t>Real-Time Data Collection</a:t>
             </a:r>
           </a:p>
           <a:p>
             <a:pPr lvl="0"/>
             <a:r>
               <a:rPr/>
-              <a:t>Share experiments and data with team members</a:t>
+              <a:t>Gather data securely and efficiently</a:t>
             </a:r>
           </a:p>
           <a:p>
             <a:pPr lvl="0"/>
             <a:r>
               <a:rPr/>
-              <a:t>Collaborate on experiment design and analysis</a:t>
+              <a:t>Access participant responses in real-time</a:t>
             </a:r>
           </a:p>
           <a:p>
@@ -8165,14 +8131,21 @@
             </a:pPr>
             <a:r>
               <a:rPr b="1"/>
-              <a:t>Participant Recruitment</a:t>
+              <a:t>Analytical Tools</a:t>
             </a:r>
           </a:p>
           <a:p>
             <a:pPr lvl="0"/>
             <a:r>
               <a:rPr/>
-              <a:t>Still needs to be managed via sources outside of Gorilla</a:t>
+              <a:t>Built-in tools for basic data analysis</a:t>
+            </a:r>
+          </a:p>
+          <a:p>
+            <a:pPr lvl="0"/>
+            <a:r>
+              <a:rPr/>
+              <a:t>Export data for advanced analysis in other software e.g. SPSS</a:t>
             </a:r>
           </a:p>
         </p:txBody>
@@ -8233,7 +8206,7 @@
             </a:pPr>
             <a:r>
               <a:rPr/>
-              <a:t>Gorilla.sc in Psychological Research</a:t>
+              <a:t>Collaboration and Sharing</a:t>
             </a:r>
           </a:p>
         </p:txBody>
@@ -8267,21 +8240,21 @@
             </a:pPr>
             <a:r>
               <a:rPr b="1"/>
-              <a:t>Broad Application</a:t>
+              <a:t>Team Collaboration</a:t>
             </a:r>
           </a:p>
           <a:p>
             <a:pPr lvl="0"/>
             <a:r>
               <a:rPr/>
-              <a:t>Suitable for cognitive, social, and clinical psychology</a:t>
+              <a:t>Share experiments and data with team members</a:t>
             </a:r>
           </a:p>
           <a:p>
             <a:pPr lvl="0"/>
             <a:r>
               <a:rPr/>
-              <a:t>Ideal for remote and large-scale studies</a:t>
+              <a:t>Collaborate on experiment design and analysis</a:t>
             </a:r>
           </a:p>
           <a:p>
@@ -8293,28 +8266,14 @@
             </a:pPr>
             <a:r>
               <a:rPr b="1"/>
-              <a:t>Impact on Mini-Dissertations</a:t>
+              <a:t>Participant Recruitment</a:t>
             </a:r>
           </a:p>
           <a:p>
             <a:pPr lvl="0"/>
             <a:r>
               <a:rPr/>
-              <a:t>Increases the reach of psychological studies requiring complex stimulus or timing</a:t>
-            </a:r>
-          </a:p>
-          <a:p>
-            <a:pPr lvl="0"/>
-            <a:r>
-              <a:rPr/>
-              <a:t>Not easy to get up and running with this tool</a:t>
-            </a:r>
-          </a:p>
-          <a:p>
-            <a:pPr lvl="0"/>
-            <a:r>
-              <a:rPr/>
-              <a:t>No specialist support - has excellent templates and online support</a:t>
+              <a:t>Still needs to be managed via sources outside of Gorilla</a:t>
             </a:r>
           </a:p>
         </p:txBody>
@@ -8375,7 +8334,7 @@
             </a:pPr>
             <a:r>
               <a:rPr/>
-              <a:t>Face-to-Face Experiments</a:t>
+              <a:t>Gorilla.sc in Psychological Research</a:t>
             </a:r>
           </a:p>
         </p:txBody>
@@ -8409,21 +8368,54 @@
             </a:pPr>
             <a:r>
               <a:rPr b="1"/>
-              <a:t>Overview</a:t>
+              <a:t>Broad Application</a:t>
             </a:r>
           </a:p>
           <a:p>
             <a:pPr lvl="0"/>
             <a:r>
               <a:rPr/>
-              <a:t>Traditional method of conducting experiments</a:t>
+              <a:t>Suitable for cognitive, social, and clinical psychology</a:t>
             </a:r>
           </a:p>
           <a:p>
             <a:pPr lvl="0"/>
             <a:r>
               <a:rPr/>
-              <a:t>Involves direct interaction with participants</a:t>
+              <a:t>Ideal for remote and large-scale studies</a:t>
+            </a:r>
+          </a:p>
+          <a:p>
+            <a:pPr lvl="0" indent="0" marL="0">
+              <a:spcBef>
+                <a:spcPts val="3000"/>
+              </a:spcBef>
+              <a:buNone/>
+            </a:pPr>
+            <a:r>
+              <a:rPr b="1"/>
+              <a:t>Impact on Mini-Dissertations</a:t>
+            </a:r>
+          </a:p>
+          <a:p>
+            <a:pPr lvl="0"/>
+            <a:r>
+              <a:rPr/>
+              <a:t>Increases the reach of psychological studies requiring complex stimulus or timing</a:t>
+            </a:r>
+          </a:p>
+          <a:p>
+            <a:pPr lvl="0"/>
+            <a:r>
+              <a:rPr/>
+              <a:t>Not easy to get up and running with this tool</a:t>
+            </a:r>
+          </a:p>
+          <a:p>
+            <a:pPr lvl="0"/>
+            <a:r>
+              <a:rPr/>
+              <a:t>No specialist support - has excellent templates and online support</a:t>
             </a:r>
           </a:p>
         </p:txBody>
@@ -8484,7 +8476,7 @@
             </a:pPr>
             <a:r>
               <a:rPr/>
-              <a:t>Pros of Face-to-Face Experiments</a:t>
+              <a:t>Face-to-Face Experiments</a:t>
             </a:r>
           </a:p>
         </p:txBody>
@@ -8518,71 +8510,21 @@
             </a:pPr>
             <a:r>
               <a:rPr b="1"/>
-              <a:t>Enhanced Interaction</a:t>
+              <a:t>Overview</a:t>
             </a:r>
           </a:p>
           <a:p>
             <a:pPr lvl="0"/>
             <a:r>
               <a:rPr/>
-              <a:t>Direct human interaction enriches data quality</a:t>
-            </a:r>
-          </a:p>
-          <a:p>
-            <a:pPr lvl="0" indent="0" marL="0">
-              <a:spcBef>
-                <a:spcPts val="3000"/>
-              </a:spcBef>
-              <a:buNone/>
-            </a:pPr>
-            <a:r>
-              <a:rPr b="1"/>
-              <a:t>Controlled Environment</a:t>
+              <a:t>Traditional method of conducting experiments</a:t>
             </a:r>
           </a:p>
           <a:p>
             <a:pPr lvl="0"/>
             <a:r>
               <a:rPr/>
-              <a:t>Better control over experimental conditions</a:t>
-            </a:r>
-          </a:p>
-          <a:p>
-            <a:pPr lvl="0" indent="0" marL="0">
-              <a:spcBef>
-                <a:spcPts val="3000"/>
-              </a:spcBef>
-              <a:buNone/>
-            </a:pPr>
-            <a:r>
-              <a:rPr b="1"/>
-              <a:t>Immediate Feedback</a:t>
-            </a:r>
-          </a:p>
-          <a:p>
-            <a:pPr lvl="0"/>
-            <a:r>
-              <a:rPr/>
-              <a:t>Opportunity for immediate clarification and feedback</a:t>
-            </a:r>
-          </a:p>
-          <a:p>
-            <a:pPr lvl="0" indent="0" marL="0">
-              <a:spcBef>
-                <a:spcPts val="3000"/>
-              </a:spcBef>
-              <a:buNone/>
-            </a:pPr>
-            <a:r>
-              <a:rPr b="1"/>
-              <a:t>Participant Authenticity</a:t>
-            </a:r>
-          </a:p>
-          <a:p>
-            <a:pPr lvl="0"/>
-            <a:r>
-              <a:rPr/>
-              <a:t>Lower risk of false responses (maybe?)</a:t>
+              <a:t>Involves direct interaction with participants</a:t>
             </a:r>
           </a:p>
         </p:txBody>
@@ -8643,7 +8585,7 @@
             </a:pPr>
             <a:r>
               <a:rPr/>
-              <a:t>Cons of Face-to-Face Experiments</a:t>
+              <a:t>Pros of Face-to-Face Experiments</a:t>
             </a:r>
           </a:p>
         </p:txBody>
@@ -8677,14 +8619,14 @@
             </a:pPr>
             <a:r>
               <a:rPr b="1"/>
-              <a:t>Higher Costs</a:t>
+              <a:t>Enhanced Interaction</a:t>
             </a:r>
           </a:p>
           <a:p>
             <a:pPr lvl="0"/>
             <a:r>
               <a:rPr/>
-              <a:t>Greater resource and time investment (maybe?)</a:t>
+              <a:t>Direct human interaction enriches data quality</a:t>
             </a:r>
           </a:p>
           <a:p>
@@ -8696,14 +8638,14 @@
             </a:pPr>
             <a:r>
               <a:rPr b="1"/>
-              <a:t>Limited Reach</a:t>
+              <a:t>Controlled Environment</a:t>
             </a:r>
           </a:p>
           <a:p>
             <a:pPr lvl="0"/>
             <a:r>
               <a:rPr/>
-              <a:t>Restricted to participants’ geographical location</a:t>
+              <a:t>Better control over experimental conditions</a:t>
             </a:r>
           </a:p>
           <a:p>
@@ -8715,14 +8657,14 @@
             </a:pPr>
             <a:r>
               <a:rPr b="1"/>
-              <a:t>Time-Consuming</a:t>
+              <a:t>Immediate Feedback</a:t>
             </a:r>
           </a:p>
           <a:p>
             <a:pPr lvl="0"/>
             <a:r>
               <a:rPr/>
-              <a:t>Scheduling and conducting sessions takes time</a:t>
+              <a:t>Opportunity for immediate clarification and feedback</a:t>
             </a:r>
           </a:p>
           <a:p>
@@ -8734,14 +8676,14 @@
             </a:pPr>
             <a:r>
               <a:rPr b="1"/>
-              <a:t>Potential Biases</a:t>
+              <a:t>Participant Authenticity</a:t>
             </a:r>
           </a:p>
           <a:p>
             <a:pPr lvl="0"/>
             <a:r>
               <a:rPr/>
-              <a:t>Risk of experimenter or social desirability biases</a:t>
+              <a:t>Lower risk of false responses (maybe?)</a:t>
             </a:r>
           </a:p>
         </p:txBody>
@@ -8802,7 +8744,7 @@
             </a:pPr>
             <a:r>
               <a:rPr/>
-              <a:t>Conclusion</a:t>
+              <a:t>Cons of Face-to-Face Experiments</a:t>
             </a:r>
           </a:p>
         </p:txBody>
@@ -8836,21 +8778,14 @@
             </a:pPr>
             <a:r>
               <a:rPr b="1"/>
-              <a:t>Choosing the Right Method</a:t>
+              <a:t>Higher Costs</a:t>
             </a:r>
           </a:p>
           <a:p>
             <a:pPr lvl="0"/>
             <a:r>
               <a:rPr/>
-              <a:t>Depends on research goals, resources, and target population</a:t>
-            </a:r>
-          </a:p>
-          <a:p>
-            <a:pPr lvl="0"/>
-            <a:r>
-              <a:rPr/>
-              <a:t>Both methods offer unique advantages and challenges</a:t>
+              <a:t>Greater resource and time investment (maybe?)</a:t>
             </a:r>
           </a:p>
           <a:p>
@@ -8862,21 +8797,52 @@
             </a:pPr>
             <a:r>
               <a:rPr b="1"/>
-              <a:t>Tailoring to Research Needs</a:t>
+              <a:t>Limited Reach</a:t>
             </a:r>
           </a:p>
           <a:p>
             <a:pPr lvl="0"/>
             <a:r>
               <a:rPr/>
-              <a:t>Consider the nature of your study and participant accessibility</a:t>
+              <a:t>Restricted to participants’ geographical location</a:t>
+            </a:r>
+          </a:p>
+          <a:p>
+            <a:pPr lvl="0" indent="0" marL="0">
+              <a:spcBef>
+                <a:spcPts val="3000"/>
+              </a:spcBef>
+              <a:buNone/>
+            </a:pPr>
+            <a:r>
+              <a:rPr b="1"/>
+              <a:t>Time-Consuming</a:t>
             </a:r>
           </a:p>
           <a:p>
             <a:pPr lvl="0"/>
             <a:r>
               <a:rPr/>
-              <a:t>Balance between quality, ‘cost’, and reach</a:t>
+              <a:t>Scheduling and conducting sessions takes time</a:t>
+            </a:r>
+          </a:p>
+          <a:p>
+            <a:pPr lvl="0" indent="0" marL="0">
+              <a:spcBef>
+                <a:spcPts val="3000"/>
+              </a:spcBef>
+              <a:buNone/>
+            </a:pPr>
+            <a:r>
+              <a:rPr b="1"/>
+              <a:t>Potential Biases</a:t>
+            </a:r>
+          </a:p>
+          <a:p>
+            <a:pPr lvl="0"/>
+            <a:r>
+              <a:rPr/>
+              <a:t>Risk of experimenter or social desirability biases</a:t>
             </a:r>
           </a:p>
         </p:txBody>
@@ -9000,7 +8966,7 @@
           <p:cNvPr id="2" name="Title 1">
             <a:extLst>
               <a:ext uri="{FF2B5EF4-FFF2-40B4-BE49-F238E27FC236}">
-                <a16:creationId xmlns:a16="http://schemas.microsoft.com/office/drawing/2014/main" id="{FF6A6CB2-D1B6-B94A-84C1-83C65423C650}"/>
+                <a16:creationId xmlns:a16="http://schemas.microsoft.com/office/drawing/2014/main" id="{DD9B8E45-0772-954C-8D4B-6E6808DFEDED}"/>
               </a:ext>
             </a:extLst>
           </p:cNvPr>
@@ -9013,8 +8979,8 @@
         </p:nvSpPr>
         <p:spPr>
           <a:xfrm>
-            <a:off x="831851" y="1709742"/>
-            <a:ext cx="10515600" cy="2852737"/>
+            <a:off x="838200" y="365129"/>
+            <a:ext cx="10002520" cy="1325563"/>
           </a:xfrm>
           <a:prstGeom prst="rect">
             <a:avLst/>
@@ -9029,7 +8995,81 @@
             </a:pPr>
             <a:r>
               <a:rPr/>
-              <a:t>Questions?</a:t>
+              <a:t>Conclusion</a:t>
+            </a:r>
+          </a:p>
+        </p:txBody>
+      </p:sp>
+      <p:sp>
+        <p:nvSpPr>
+          <p:cNvPr id="3" name="Content Placeholder 2">
+            <a:extLst>
+              <a:ext uri="{FF2B5EF4-FFF2-40B4-BE49-F238E27FC236}">
+                <a16:creationId xmlns:a16="http://schemas.microsoft.com/office/drawing/2014/main" id="{A4EB24F9-04F1-C843-9D71-56C5C024552B}"/>
+              </a:ext>
+            </a:extLst>
+          </p:cNvPr>
+          <p:cNvSpPr>
+            <a:spLocks noGrp="1"/>
+          </p:cNvSpPr>
+          <p:nvPr>
+            <p:ph idx="1"/>
+          </p:nvPr>
+        </p:nvSpPr>
+        <p:spPr/>
+        <p:txBody>
+          <a:bodyPr/>
+          <a:lstStyle/>
+          <a:p>
+            <a:pPr lvl="0" indent="0" marL="0">
+              <a:spcBef>
+                <a:spcPts val="3000"/>
+              </a:spcBef>
+              <a:buNone/>
+            </a:pPr>
+            <a:r>
+              <a:rPr b="1"/>
+              <a:t>Choosing the Right Method</a:t>
+            </a:r>
+          </a:p>
+          <a:p>
+            <a:pPr lvl="0"/>
+            <a:r>
+              <a:rPr/>
+              <a:t>Depends on research goals, resources, and target population</a:t>
+            </a:r>
+          </a:p>
+          <a:p>
+            <a:pPr lvl="0"/>
+            <a:r>
+              <a:rPr/>
+              <a:t>Both methods offer unique advantages and challenges</a:t>
+            </a:r>
+          </a:p>
+          <a:p>
+            <a:pPr lvl="0" indent="0" marL="0">
+              <a:spcBef>
+                <a:spcPts val="3000"/>
+              </a:spcBef>
+              <a:buNone/>
+            </a:pPr>
+            <a:r>
+              <a:rPr b="1"/>
+              <a:t>Tailoring to Research Needs</a:t>
+            </a:r>
+          </a:p>
+          <a:p>
+            <a:pPr lvl="0"/>
+            <a:r>
+              <a:rPr/>
+              <a:t>Consider the nature of your study and participant accessibility</a:t>
+            </a:r>
+          </a:p>
+          <a:p>
+            <a:pPr lvl="0"/>
+            <a:r>
+              <a:rPr/>
+              <a:t>Balance between quality, ‘cost’, and reach</a:t>
             </a:r>
           </a:p>
         </p:txBody>
@@ -9061,6 +9101,67 @@
           <p:cNvPr id="2" name="Title 1">
             <a:extLst>
               <a:ext uri="{FF2B5EF4-FFF2-40B4-BE49-F238E27FC236}">
+                <a16:creationId xmlns:a16="http://schemas.microsoft.com/office/drawing/2014/main" id="{FF6A6CB2-D1B6-B94A-84C1-83C65423C650}"/>
+              </a:ext>
+            </a:extLst>
+          </p:cNvPr>
+          <p:cNvSpPr>
+            <a:spLocks noGrp="1"/>
+          </p:cNvSpPr>
+          <p:nvPr>
+            <p:ph type="title"/>
+          </p:nvPr>
+        </p:nvSpPr>
+        <p:spPr>
+          <a:xfrm>
+            <a:off x="831851" y="1709742"/>
+            <a:ext cx="10515600" cy="2852737"/>
+          </a:xfrm>
+          <a:prstGeom prst="rect">
+            <a:avLst/>
+          </a:prstGeom>
+        </p:spPr>
+        <p:txBody>
+          <a:bodyPr/>
+          <a:lstStyle/>
+          <a:p>
+            <a:pPr lvl="0" indent="0" marL="0">
+              <a:buNone/>
+            </a:pPr>
+            <a:r>
+              <a:rPr/>
+              <a:t>Questions?</a:t>
+            </a:r>
+          </a:p>
+        </p:txBody>
+      </p:sp>
+    </p:spTree>
+  </p:cSld>
+</p:sld>
+</file>
+
+<file path=ppt/slides/slide42.xml><?xml version="1.0" encoding="utf-8"?>
+<p:sld xmlns:a="http://schemas.openxmlformats.org/drawingml/2006/main" xmlns:r="http://schemas.openxmlformats.org/officeDocument/2006/relationships" xmlns:p="http://schemas.openxmlformats.org/presentationml/2006/main">
+  <p:cSld>
+    <p:spTree>
+      <p:nvGrpSpPr>
+        <p:cNvPr id="1" name=""/>
+        <p:cNvGrpSpPr/>
+        <p:nvPr/>
+      </p:nvGrpSpPr>
+      <p:grpSpPr>
+        <a:xfrm>
+          <a:off x="0" y="0"/>
+          <a:ext cx="0" cy="0"/>
+          <a:chOff x="0" y="0"/>
+          <a:chExt cx="0" cy="0"/>
+        </a:xfrm>
+      </p:grpSpPr>
+      <p:sp>
+        <p:nvSpPr>
+          <p:cNvPr id="2" name="Title 1">
+            <a:extLst>
+              <a:ext uri="{FF2B5EF4-FFF2-40B4-BE49-F238E27FC236}">
                 <a16:creationId xmlns:a16="http://schemas.microsoft.com/office/drawing/2014/main" id="{DD9B8E45-0772-954C-8D4B-6E6808DFEDED}"/>
               </a:ext>
             </a:extLst>
@@ -9144,16 +9245,16 @@
             </a:pPr>
             <a:r>
               <a:rPr/>
-              <a:t>Familiarise yourself with the Ethics Application process (10mins)</a:t>
-            </a:r>
-          </a:p>
-          <a:p>
-            <a:pPr lvl="0" indent="0" marL="0">
-              <a:buNone/>
-            </a:pPr>
-            <a:r>
-              <a:rPr/>
-              <a:t>Consider the steps required to bring your study to life! (the rest)</a:t>
+              <a:t>Familiarise yourself with the Ethics Application process</a:t>
+            </a:r>
+          </a:p>
+          <a:p>
+            <a:pPr lvl="0" indent="0" marL="0">
+              <a:buNone/>
+            </a:pPr>
+            <a:r>
+              <a:rPr/>
+              <a:t>Consider the steps required to bring your study to life!</a:t>
             </a:r>
           </a:p>
         </p:txBody>
@@ -9163,7 +9264,7 @@
 </p:sld>
 </file>
 
-<file path=ppt/slides/slide42.xml><?xml version="1.0" encoding="utf-8"?>
+<file path=ppt/slides/slide43.xml><?xml version="1.0" encoding="utf-8"?>
 <p:sld xmlns:a="http://schemas.openxmlformats.org/drawingml/2006/main" xmlns:r="http://schemas.openxmlformats.org/officeDocument/2006/relationships" xmlns:p="http://schemas.openxmlformats.org/presentationml/2006/main">
   <p:cSld>
     <p:spTree>
